--- a/Extras/PrezPhotos/Images.pptx
+++ b/Extras/PrezPhotos/Images.pptx
@@ -7,6 +7,7 @@
   <p:sldIdLst>
     <p:sldId id="256" r:id="rId2"/>
     <p:sldId id="257" r:id="rId3"/>
+    <p:sldId id="258" r:id="rId4"/>
   </p:sldIdLst>
   <p:sldSz cx="12192000" cy="6858000"/>
   <p:notesSz cx="6858000" cy="9144000"/>
@@ -105,13 +106,18 @@
       </a:defRPr>
     </a:lvl9pPr>
   </p:defaultTextStyle>
+  <p:extLst>
+    <p:ext uri="{EFAFB233-063F-42B5-8137-9DF3F51BA10A}">
+      <p15:sldGuideLst xmlns:p15="http://schemas.microsoft.com/office/powerpoint/2012/main"/>
+    </p:ext>
+  </p:extLst>
 </p:presentation>
 </file>
 
 <file path=ppt/revisionInfo.xml><?xml version="1.0" encoding="utf-8"?>
 <p1510:revInfo xmlns:a="http://schemas.openxmlformats.org/drawingml/2006/main" xmlns:r="http://schemas.openxmlformats.org/officeDocument/2006/relationships" xmlns:p1510="http://schemas.microsoft.com/office/powerpoint/2015/10/main">
   <p1510:revLst>
-    <p1510:client id="{65527356-5A0B-452C-B473-052122B9B6EF}" v="22" dt="2022-02-25T00:04:23.547"/>
+    <p1510:client id="{65527356-5A0B-452C-B473-052122B9B6EF}" v="25" dt="2022-02-25T00:54:37.262"/>
   </p1510:revLst>
 </p1510:revInfo>
 </file>
@@ -121,7 +127,7 @@
   <pc:docChgLst>
     <pc:chgData name="Block, Ben" userId="37425d1b-7ac5-49ca-ad9d-3897ecb572d0" providerId="ADAL" clId="{65527356-5A0B-452C-B473-052122B9B6EF}"/>
     <pc:docChg chg="undo custSel addSld modSld">
-      <pc:chgData name="Block, Ben" userId="37425d1b-7ac5-49ca-ad9d-3897ecb572d0" providerId="ADAL" clId="{65527356-5A0B-452C-B473-052122B9B6EF}" dt="2022-02-25T00:04:28.715" v="487" actId="1076"/>
+      <pc:chgData name="Block, Ben" userId="37425d1b-7ac5-49ca-ad9d-3897ecb572d0" providerId="ADAL" clId="{65527356-5A0B-452C-B473-052122B9B6EF}" dt="2022-02-25T00:54:37.262" v="496" actId="164"/>
       <pc:docMkLst>
         <pc:docMk/>
       </pc:docMkLst>
@@ -346,6 +352,37 @@
             <ac:cxnSpMk id="14" creationId="{A15BC684-BBB6-4A6A-9645-831C2AA77915}"/>
           </ac:cxnSpMkLst>
         </pc:cxnChg>
+      </pc:sldChg>
+      <pc:sldChg chg="addSp modSp new mod">
+        <pc:chgData name="Block, Ben" userId="37425d1b-7ac5-49ca-ad9d-3897ecb572d0" providerId="ADAL" clId="{65527356-5A0B-452C-B473-052122B9B6EF}" dt="2022-02-25T00:54:37.262" v="496" actId="164"/>
+        <pc:sldMkLst>
+          <pc:docMk/>
+          <pc:sldMk cId="934921965" sldId="258"/>
+        </pc:sldMkLst>
+        <pc:grpChg chg="add mod">
+          <ac:chgData name="Block, Ben" userId="37425d1b-7ac5-49ca-ad9d-3897ecb572d0" providerId="ADAL" clId="{65527356-5A0B-452C-B473-052122B9B6EF}" dt="2022-02-25T00:54:37.262" v="496" actId="164"/>
+          <ac:grpSpMkLst>
+            <pc:docMk/>
+            <pc:sldMk cId="934921965" sldId="258"/>
+            <ac:grpSpMk id="6" creationId="{7374C36E-145D-43BE-9615-A2A853A665D7}"/>
+          </ac:grpSpMkLst>
+        </pc:grpChg>
+        <pc:picChg chg="add mod">
+          <ac:chgData name="Block, Ben" userId="37425d1b-7ac5-49ca-ad9d-3897ecb572d0" providerId="ADAL" clId="{65527356-5A0B-452C-B473-052122B9B6EF}" dt="2022-02-25T00:54:37.262" v="496" actId="164"/>
+          <ac:picMkLst>
+            <pc:docMk/>
+            <pc:sldMk cId="934921965" sldId="258"/>
+            <ac:picMk id="3" creationId="{AD1AE16B-5E74-4E45-ABB1-34B8908AE9CC}"/>
+          </ac:picMkLst>
+        </pc:picChg>
+        <pc:picChg chg="add mod">
+          <ac:chgData name="Block, Ben" userId="37425d1b-7ac5-49ca-ad9d-3897ecb572d0" providerId="ADAL" clId="{65527356-5A0B-452C-B473-052122B9B6EF}" dt="2022-02-25T00:54:37.262" v="496" actId="164"/>
+          <ac:picMkLst>
+            <pc:docMk/>
+            <pc:sldMk cId="934921965" sldId="258"/>
+            <ac:picMk id="5" creationId="{12D7D565-FB0B-41BA-9918-6D2B46600E02}"/>
+          </ac:picMkLst>
+        </pc:picChg>
       </pc:sldChg>
     </pc:docChg>
   </pc:docChgLst>
@@ -4468,6 +4505,129 @@
 </p:sld>
 </file>
 
+<file path=ppt/slides/slide3.xml><?xml version="1.0" encoding="utf-8"?>
+<p:sld xmlns:a="http://schemas.openxmlformats.org/drawingml/2006/main" xmlns:r="http://schemas.openxmlformats.org/officeDocument/2006/relationships" xmlns:p="http://schemas.openxmlformats.org/presentationml/2006/main">
+  <p:cSld>
+    <p:spTree>
+      <p:nvGrpSpPr>
+        <p:cNvPr id="1" name=""/>
+        <p:cNvGrpSpPr/>
+        <p:nvPr/>
+      </p:nvGrpSpPr>
+      <p:grpSpPr>
+        <a:xfrm>
+          <a:off x="0" y="0"/>
+          <a:ext cx="0" cy="0"/>
+          <a:chOff x="0" y="0"/>
+          <a:chExt cx="0" cy="0"/>
+        </a:xfrm>
+      </p:grpSpPr>
+      <p:grpSp>
+        <p:nvGrpSpPr>
+          <p:cNvPr id="6" name="Group 5">
+            <a:extLst>
+              <a:ext uri="{FF2B5EF4-FFF2-40B4-BE49-F238E27FC236}">
+                <a16:creationId xmlns:a16="http://schemas.microsoft.com/office/drawing/2014/main" id="{7374C36E-145D-43BE-9615-A2A853A665D7}"/>
+              </a:ext>
+            </a:extLst>
+          </p:cNvPr>
+          <p:cNvGrpSpPr/>
+          <p:nvPr/>
+        </p:nvGrpSpPr>
+        <p:grpSpPr>
+          <a:xfrm>
+            <a:off x="1524000" y="0"/>
+            <a:ext cx="9144000" cy="6858000"/>
+            <a:chOff x="1524000" y="0"/>
+            <a:chExt cx="9144000" cy="6858000"/>
+          </a:xfrm>
+        </p:grpSpPr>
+        <p:pic>
+          <p:nvPicPr>
+            <p:cNvPr id="3" name="Picture 2" descr="A picture containing tree, outdoor, nature, plant&#10;&#10;Description automatically generated">
+              <a:extLst>
+                <a:ext uri="{FF2B5EF4-FFF2-40B4-BE49-F238E27FC236}">
+                  <a16:creationId xmlns:a16="http://schemas.microsoft.com/office/drawing/2014/main" id="{AD1AE16B-5E74-4E45-ABB1-34B8908AE9CC}"/>
+                </a:ext>
+              </a:extLst>
+            </p:cNvPr>
+            <p:cNvPicPr>
+              <a:picLocks noChangeAspect="1"/>
+            </p:cNvPicPr>
+            <p:nvPr/>
+          </p:nvPicPr>
+          <p:blipFill>
+            <a:blip r:embed="rId2">
+              <a:extLst>
+                <a:ext uri="{28A0092B-C50C-407E-A947-70E740481C1C}">
+                  <a14:useLocalDpi xmlns:a14="http://schemas.microsoft.com/office/drawing/2010/main" val="0"/>
+                </a:ext>
+              </a:extLst>
+            </a:blip>
+            <a:stretch>
+              <a:fillRect/>
+            </a:stretch>
+          </p:blipFill>
+          <p:spPr>
+            <a:xfrm>
+              <a:off x="1524000" y="0"/>
+              <a:ext cx="9144000" cy="6858000"/>
+            </a:xfrm>
+            <a:prstGeom prst="rect">
+              <a:avLst/>
+            </a:prstGeom>
+          </p:spPr>
+        </p:pic>
+        <p:pic>
+          <p:nvPicPr>
+            <p:cNvPr id="5" name="Picture 4" descr="Qr code&#10;&#10;Description automatically generated">
+              <a:extLst>
+                <a:ext uri="{FF2B5EF4-FFF2-40B4-BE49-F238E27FC236}">
+                  <a16:creationId xmlns:a16="http://schemas.microsoft.com/office/drawing/2014/main" id="{12D7D565-FB0B-41BA-9918-6D2B46600E02}"/>
+                </a:ext>
+              </a:extLst>
+            </p:cNvPr>
+            <p:cNvPicPr>
+              <a:picLocks noChangeAspect="1"/>
+            </p:cNvPicPr>
+            <p:nvPr/>
+          </p:nvPicPr>
+          <p:blipFill>
+            <a:blip r:embed="rId3">
+              <a:extLst>
+                <a:ext uri="{28A0092B-C50C-407E-A947-70E740481C1C}">
+                  <a14:useLocalDpi xmlns:a14="http://schemas.microsoft.com/office/drawing/2010/main" val="0"/>
+                </a:ext>
+              </a:extLst>
+            </a:blip>
+            <a:stretch>
+              <a:fillRect/>
+            </a:stretch>
+          </p:blipFill>
+          <p:spPr>
+            <a:xfrm>
+              <a:off x="8829418" y="4431420"/>
+              <a:ext cx="1838582" cy="2238687"/>
+            </a:xfrm>
+            <a:prstGeom prst="rect">
+              <a:avLst/>
+            </a:prstGeom>
+          </p:spPr>
+        </p:pic>
+      </p:grpSp>
+    </p:spTree>
+    <p:extLst>
+      <p:ext uri="{BB962C8B-B14F-4D97-AF65-F5344CB8AC3E}">
+        <p14:creationId xmlns:p14="http://schemas.microsoft.com/office/powerpoint/2010/main" val="934921965"/>
+      </p:ext>
+    </p:extLst>
+  </p:cSld>
+  <p:clrMapOvr>
+    <a:masterClrMapping/>
+  </p:clrMapOvr>
+</p:sld>
+</file>
+
 <file path=ppt/theme/theme1.xml><?xml version="1.0" encoding="utf-8"?>
 <a:theme xmlns:a="http://schemas.openxmlformats.org/drawingml/2006/main" name="Office Theme">
   <a:themeElements>
